--- a/programming2/CH8.pptx
+++ b/programming2/CH8.pptx
@@ -268,7 +268,7 @@
             <a:fld id="{92E213FA-0685-4517-BAA4-37482BBD172B}" type="datetimeFigureOut">
               <a:rPr lang="en-US" smtClean="0"/>
               <a:pPr/>
-              <a:t>12/17/22</a:t>
+              <a:t>1/23/23</a:t>
             </a:fld>
             <a:endParaRPr lang="en-US"/>
           </a:p>
@@ -985,7 +985,7 @@
               <a:pPr>
                 <a:defRPr/>
               </a:pPr>
-              <a:t>12/17/22</a:t>
+              <a:t>1/23/23</a:t>
             </a:fld>
             <a:endParaRPr lang="en-US"/>
           </a:p>
@@ -1175,7 +1175,7 @@
               <a:pPr>
                 <a:defRPr/>
               </a:pPr>
-              <a:t>12/17/22</a:t>
+              <a:t>1/23/23</a:t>
             </a:fld>
             <a:endParaRPr lang="en-US"/>
           </a:p>
@@ -1375,7 +1375,7 @@
               <a:pPr>
                 <a:defRPr/>
               </a:pPr>
-              <a:t>12/17/22</a:t>
+              <a:t>1/23/23</a:t>
             </a:fld>
             <a:endParaRPr lang="en-US"/>
           </a:p>
@@ -3593,7 +3593,7 @@
               <a:pPr>
                 <a:defRPr/>
               </a:pPr>
-              <a:t>12/17/22</a:t>
+              <a:t>1/23/23</a:t>
             </a:fld>
             <a:endParaRPr lang="en-US"/>
           </a:p>
@@ -4530,7 +4530,7 @@
               <a:pPr>
                 <a:defRPr/>
               </a:pPr>
-              <a:t>12/17/22</a:t>
+              <a:t>1/23/23</a:t>
             </a:fld>
             <a:endParaRPr lang="en-US"/>
           </a:p>
@@ -4837,7 +4837,7 @@
               <a:pPr>
                 <a:defRPr/>
               </a:pPr>
-              <a:t>12/17/22</a:t>
+              <a:t>1/23/23</a:t>
             </a:fld>
             <a:endParaRPr lang="en-US"/>
           </a:p>
@@ -5278,7 +5278,7 @@
               <a:pPr>
                 <a:defRPr/>
               </a:pPr>
-              <a:t>12/17/22</a:t>
+              <a:t>1/23/23</a:t>
             </a:fld>
             <a:endParaRPr lang="en-US"/>
           </a:p>
@@ -5417,7 +5417,7 @@
               <a:pPr>
                 <a:defRPr/>
               </a:pPr>
-              <a:t>12/17/22</a:t>
+              <a:t>1/23/23</a:t>
             </a:fld>
             <a:endParaRPr lang="en-US"/>
           </a:p>
@@ -5534,7 +5534,7 @@
               <a:pPr>
                 <a:defRPr/>
               </a:pPr>
-              <a:t>12/17/22</a:t>
+              <a:t>1/23/23</a:t>
             </a:fld>
             <a:endParaRPr lang="en-US"/>
           </a:p>
@@ -5831,7 +5831,7 @@
               <a:pPr>
                 <a:defRPr/>
               </a:pPr>
-              <a:t>12/17/22</a:t>
+              <a:t>1/23/23</a:t>
             </a:fld>
             <a:endParaRPr lang="en-US"/>
           </a:p>
@@ -6108,7 +6108,7 @@
               <a:pPr>
                 <a:defRPr/>
               </a:pPr>
-              <a:t>12/17/22</a:t>
+              <a:t>1/23/23</a:t>
             </a:fld>
             <a:endParaRPr lang="en-US"/>
           </a:p>
@@ -6356,7 +6356,7 @@
               <a:pPr>
                 <a:defRPr/>
               </a:pPr>
-              <a:t>12/17/22</a:t>
+              <a:t>1/23/23</a:t>
             </a:fld>
             <a:endParaRPr lang="en-US"/>
           </a:p>
@@ -11056,28 +11056,8 @@
               <a:buNone/>
             </a:pPr>
             <a:r>
-              <a:rPr lang="en-US" sz="1800" dirty="0"/>
-              <a:t> </a:t>
-            </a:r>
-            <a:endParaRPr lang="en-CA" sz="1800" dirty="0"/>
-          </a:p>
-          <a:p>
-            <a:pPr>
-              <a:buNone/>
-            </a:pPr>
-            <a:r>
-              <a:rPr lang="en-US" sz="1800" dirty="0"/>
-              <a:t>system("PAUSE");</a:t>
-            </a:r>
-            <a:endParaRPr lang="en-CA" sz="1800" dirty="0"/>
-          </a:p>
-          <a:p>
-            <a:pPr>
-              <a:buNone/>
-            </a:pPr>
-            <a:r>
-              <a:rPr lang="en-US" sz="1800" dirty="0"/>
-              <a:t> </a:t>
+              <a:rPr lang="en-US" sz="1800"/>
+              <a:t>  </a:t>
             </a:r>
             <a:endParaRPr lang="en-CA" sz="1800" dirty="0"/>
           </a:p>
